--- a/doc/Stream-Processing.pptx
+++ b/doc/Stream-Processing.pptx
@@ -7,19 +7,21 @@
     <p:sldMasterId id="2147483706" r:id="rId3"/>
   </p:sldMasterIdLst>
   <p:notesMasterIdLst>
-    <p:notesMasterId r:id="rId11"/>
+    <p:notesMasterId r:id="rId13"/>
   </p:notesMasterIdLst>
   <p:handoutMasterIdLst>
-    <p:handoutMasterId r:id="rId12"/>
+    <p:handoutMasterId r:id="rId14"/>
   </p:handoutMasterIdLst>
   <p:sldIdLst>
     <p:sldId id="284" r:id="rId4"/>
-    <p:sldId id="289" r:id="rId5"/>
-    <p:sldId id="290" r:id="rId6"/>
-    <p:sldId id="292" r:id="rId7"/>
-    <p:sldId id="291" r:id="rId8"/>
-    <p:sldId id="288" r:id="rId9"/>
-    <p:sldId id="283" r:id="rId10"/>
+    <p:sldId id="294" r:id="rId5"/>
+    <p:sldId id="289" r:id="rId6"/>
+    <p:sldId id="295" r:id="rId7"/>
+    <p:sldId id="292" r:id="rId8"/>
+    <p:sldId id="291" r:id="rId9"/>
+    <p:sldId id="288" r:id="rId10"/>
+    <p:sldId id="293" r:id="rId11"/>
+    <p:sldId id="283" r:id="rId12"/>
   </p:sldIdLst>
   <p:sldSz cx="9144000" cy="6858000" type="screen4x3"/>
   <p:notesSz cx="7010400" cy="9236075"/>
@@ -234,7 +236,7 @@
             <a:fld id="{2151C11E-1A00-48AF-8C08-97C362C67874}" type="datetimeFigureOut">
               <a:rPr lang="en-US" smtClean="0"/>
               <a:pPr/>
-              <a:t>6/9/20</a:t>
+              <a:t>6/10/20</a:t>
             </a:fld>
             <a:endParaRPr lang="en-US"/>
           </a:p>
@@ -405,7 +407,7 @@
             <a:fld id="{8C7BB64C-82E2-466C-9C50-B2DA6307AB11}" type="datetimeFigureOut">
               <a:rPr lang="en-US" smtClean="0"/>
               <a:pPr/>
-              <a:t>6/9/20</a:t>
+              <a:t>6/10/20</a:t>
             </a:fld>
             <a:endParaRPr lang="en-US" dirty="0"/>
           </a:p>
@@ -12563,7 +12565,7 @@
               <a:pPr algn="ctr">
                 <a:defRPr/>
               </a:pPr>
-              <a:t>6/9/20</a:t>
+              <a:t>6/10/20</a:t>
             </a:fld>
             <a:endParaRPr lang="en-US" sz="700" b="1" dirty="0">
               <a:solidFill>
@@ -15865,7 +15867,7 @@
             </a:pPr>
             <a:r>
               <a:rPr lang="en-US" sz="800" dirty="0"/>
-              <a:t>Space Fence Covariance Guided Search </a:t>
+              <a:t>Stream Processing of Space Fence Data </a:t>
             </a:r>
             <a:r>
               <a:rPr lang="en-US" sz="700" dirty="0">
@@ -15906,7 +15908,7 @@
                 </a:solidFill>
                 <a:cs typeface="Arial" pitchFamily="34" charset="0"/>
               </a:rPr>
-              <a:t>RAL 2019-06-05</a:t>
+              <a:t>RAL 2020-06-10</a:t>
             </a:r>
           </a:p>
         </p:txBody>
@@ -17958,7 +17960,7 @@
               <a:pPr algn="ctr">
                 <a:defRPr/>
               </a:pPr>
-              <a:t>6/9/20</a:t>
+              <a:t>6/10/20</a:t>
             </a:fld>
             <a:endParaRPr lang="en-US" sz="700" b="1" dirty="0">
               <a:solidFill>
@@ -18468,7 +18470,7 @@
           <a:p>
             <a:r>
               <a:rPr lang="en-US" dirty="0"/>
-              <a:t>June ?, 2020</a:t>
+              <a:t>June 10, 2020</a:t>
             </a:r>
           </a:p>
           <a:p>
@@ -18502,7 +18504,14 @@
           <a:p>
             <a:r>
               <a:rPr lang="en-US" dirty="0"/>
-              <a:t>Stream Processing</a:t>
+              <a:t>Stream Processing of</a:t>
+            </a:r>
+            <a:br>
+              <a:rPr lang="en-US" dirty="0"/>
+            </a:br>
+            <a:r>
+              <a:rPr lang="en-US" dirty="0"/>
+              <a:t>Space Fence Data</a:t>
             </a:r>
           </a:p>
         </p:txBody>
@@ -18521,6 +18530,100 @@
 </file>
 
 <file path=ppt/slides/slide2.xml><?xml version="1.0" encoding="utf-8"?>
+<p:sld xmlns:a="http://schemas.openxmlformats.org/drawingml/2006/main" xmlns:r="http://schemas.openxmlformats.org/officeDocument/2006/relationships" xmlns:p="http://schemas.openxmlformats.org/presentationml/2006/main">
+  <p:cSld>
+    <p:spTree>
+      <p:nvGrpSpPr>
+        <p:cNvPr id="1" name=""/>
+        <p:cNvGrpSpPr/>
+        <p:nvPr/>
+      </p:nvGrpSpPr>
+      <p:grpSpPr>
+        <a:xfrm>
+          <a:off x="0" y="0"/>
+          <a:ext cx="0" cy="0"/>
+          <a:chOff x="0" y="0"/>
+          <a:chExt cx="0" cy="0"/>
+        </a:xfrm>
+      </p:grpSpPr>
+      <p:sp>
+        <p:nvSpPr>
+          <p:cNvPr id="2" name="Content Placeholder 1">
+            <a:extLst>
+              <a:ext uri="{FF2B5EF4-FFF2-40B4-BE49-F238E27FC236}">
+                <a16:creationId xmlns:a16="http://schemas.microsoft.com/office/drawing/2014/main" id="{72612D1C-D05F-ED4D-8623-E81F7681F251}"/>
+              </a:ext>
+            </a:extLst>
+          </p:cNvPr>
+          <p:cNvSpPr>
+            <a:spLocks noGrp="1"/>
+          </p:cNvSpPr>
+          <p:nvPr>
+            <p:ph sz="quarter" idx="10"/>
+          </p:nvPr>
+        </p:nvSpPr>
+        <p:spPr>
+          <a:xfrm>
+            <a:off x="640879" y="1526176"/>
+            <a:ext cx="7862241" cy="1190130"/>
+          </a:xfrm>
+        </p:spPr>
+        <p:txBody>
+          <a:bodyPr/>
+          <a:lstStyle/>
+          <a:p>
+            <a:pPr marL="0" indent="0" algn="ctr">
+              <a:buNone/>
+            </a:pPr>
+            <a:r>
+              <a:rPr lang="en-US" sz="2400" dirty="0"/>
+              <a:t>Process order 100 tracks per second produced by the Space Fence to perform orbit determination and correlate to order 100,000 orbits in real time</a:t>
+            </a:r>
+          </a:p>
+        </p:txBody>
+      </p:sp>
+      <p:sp>
+        <p:nvSpPr>
+          <p:cNvPr id="3" name="Title 2">
+            <a:extLst>
+              <a:ext uri="{FF2B5EF4-FFF2-40B4-BE49-F238E27FC236}">
+                <a16:creationId xmlns:a16="http://schemas.microsoft.com/office/drawing/2014/main" id="{751B66D6-D17D-F140-A791-716E9E4F14B3}"/>
+              </a:ext>
+            </a:extLst>
+          </p:cNvPr>
+          <p:cNvSpPr>
+            <a:spLocks noGrp="1"/>
+          </p:cNvSpPr>
+          <p:nvPr>
+            <p:ph type="title"/>
+          </p:nvPr>
+        </p:nvSpPr>
+        <p:spPr/>
+        <p:txBody>
+          <a:bodyPr/>
+          <a:lstStyle/>
+          <a:p>
+            <a:r>
+              <a:rPr lang="en-US" dirty="0"/>
+              <a:t>Objective</a:t>
+            </a:r>
+          </a:p>
+        </p:txBody>
+      </p:sp>
+    </p:spTree>
+    <p:extLst>
+      <p:ext uri="{BB962C8B-B14F-4D97-AF65-F5344CB8AC3E}">
+        <p14:creationId xmlns:p14="http://schemas.microsoft.com/office/powerpoint/2010/main" val="3897753520"/>
+      </p:ext>
+    </p:extLst>
+  </p:cSld>
+  <p:clrMapOvr>
+    <a:masterClrMapping/>
+  </p:clrMapOvr>
+</p:sld>
+</file>
+
+<file path=ppt/slides/slide3.xml><?xml version="1.0" encoding="utf-8"?>
 <p:sld xmlns:a="http://schemas.openxmlformats.org/drawingml/2006/main" xmlns:r="http://schemas.openxmlformats.org/officeDocument/2006/relationships" xmlns:p="http://schemas.openxmlformats.org/presentationml/2006/main">
   <p:cSld>
     <p:spTree>
@@ -18578,13 +18681,21 @@
           <a:p>
             <a:r>
               <a:rPr lang="en-US" dirty="0"/>
-              <a:t>Can maintain large application state and guarantee state consistency in case of failures by checkpointing local state to durable storage</a:t>
+              <a:t>Can maintain large application state and guarantee state consistency in case of failures by checkpointing local state to persistent storage</a:t>
             </a:r>
           </a:p>
           <a:p>
             <a:r>
               <a:rPr lang="en-US" dirty="0"/>
-              <a:t>Applications have demonstrated:</a:t>
+              <a:t>Applications written using </a:t>
+            </a:r>
+            <a:r>
+              <a:rPr lang="en-US" dirty="0" err="1"/>
+              <a:t>Flink</a:t>
+            </a:r>
+            <a:r>
+              <a:rPr lang="en-US" dirty="0"/>
+              <a:t> have demonstrated:</a:t>
             </a:r>
           </a:p>
           <a:p>
@@ -18607,15 +18718,6 @@
               <a:rPr lang="en-US" dirty="0"/>
               <a:t>Running on thousands of cores</a:t>
             </a:r>
-          </a:p>
-          <a:p>
-            <a:endParaRPr lang="en-US" dirty="0"/>
-          </a:p>
-          <a:p>
-            <a:endParaRPr lang="en-US" dirty="0"/>
-          </a:p>
-          <a:p>
-            <a:endParaRPr lang="en-US" dirty="0"/>
           </a:p>
           <a:p>
             <a:endParaRPr lang="en-US" dirty="0"/>
@@ -18668,7 +18770,7 @@
 </p:sld>
 </file>
 
-<file path=ppt/slides/slide3.xml><?xml version="1.0" encoding="utf-8"?>
+<file path=ppt/slides/slide4.xml><?xml version="1.0" encoding="utf-8"?>
 <p:sld xmlns:a="http://schemas.openxmlformats.org/drawingml/2006/main" xmlns:r="http://schemas.openxmlformats.org/officeDocument/2006/relationships" xmlns:p="http://schemas.openxmlformats.org/presentationml/2006/main">
   <p:cSld>
     <p:spTree>
@@ -18703,7 +18805,7 @@
         </p:nvSpPr>
         <p:spPr>
           <a:xfrm>
-            <a:off x="178416" y="3507059"/>
+            <a:off x="4893856" y="3560849"/>
             <a:ext cx="4114800" cy="2286000"/>
           </a:xfrm>
         </p:spPr>
@@ -18755,6 +18857,10 @@
               <a:rPr lang="en-US" dirty="0"/>
               <a:t>Transactional vs Event Driven</a:t>
             </a:r>
+            <a:r>
+              <a:rPr lang="en-US" baseline="30000" dirty="0"/>
+              <a:t>1</a:t>
+            </a:r>
           </a:p>
         </p:txBody>
       </p:sp>
@@ -18776,7 +18882,7 @@
         </p:nvSpPr>
         <p:spPr>
           <a:xfrm>
-            <a:off x="178416" y="1000823"/>
+            <a:off x="4893856" y="1054613"/>
             <a:ext cx="4114800" cy="2286000"/>
           </a:xfrm>
         </p:spPr>
@@ -18834,7 +18940,7 @@
         </p:blipFill>
         <p:spPr>
           <a:xfrm>
-            <a:off x="5221495" y="1000823"/>
+            <a:off x="972220" y="991858"/>
             <a:ext cx="2959768" cy="2468880"/>
           </a:xfrm>
           <a:prstGeom prst="rect">
@@ -18870,7 +18976,7 @@
         </p:blipFill>
         <p:spPr>
           <a:xfrm>
-            <a:off x="4283181" y="3507059"/>
+            <a:off x="33906" y="3498094"/>
             <a:ext cx="4836396" cy="2468880"/>
           </a:xfrm>
           <a:prstGeom prst="rect">
@@ -18878,10 +18984,107 @@
           </a:prstGeom>
         </p:spPr>
       </p:pic>
+      <p:sp>
+        <p:nvSpPr>
+          <p:cNvPr id="2" name="Rectangle 1">
+            <a:extLst>
+              <a:ext uri="{FF2B5EF4-FFF2-40B4-BE49-F238E27FC236}">
+                <a16:creationId xmlns:a16="http://schemas.microsoft.com/office/drawing/2014/main" id="{5B398023-9B8A-0940-AF13-19B0391F7644}"/>
+              </a:ext>
+            </a:extLst>
+          </p:cNvPr>
+          <p:cNvSpPr/>
+          <p:nvPr/>
+        </p:nvSpPr>
+        <p:spPr>
+          <a:xfrm>
+            <a:off x="504295" y="5893222"/>
+            <a:ext cx="8143132" cy="415498"/>
+          </a:xfrm>
+          <a:prstGeom prst="rect">
+            <a:avLst/>
+          </a:prstGeom>
+        </p:spPr>
+        <p:txBody>
+          <a:bodyPr wrap="square">
+            <a:spAutoFit/>
+          </a:bodyPr>
+          <a:lstStyle/>
+          <a:p>
+            <a:r>
+              <a:rPr lang="en-US" sz="1050" baseline="30000" dirty="0"/>
+              <a:t>1 </a:t>
+            </a:r>
+            <a:r>
+              <a:rPr lang="en-US" sz="1050" dirty="0"/>
+              <a:t>Carbone, Paris, Stephan Ewen, </a:t>
+            </a:r>
+            <a:r>
+              <a:rPr lang="en-US" sz="1050" dirty="0" err="1"/>
+              <a:t>Gyula</a:t>
+            </a:r>
+            <a:r>
+              <a:rPr lang="en-US" sz="1050" dirty="0"/>
+              <a:t> </a:t>
+            </a:r>
+            <a:r>
+              <a:rPr lang="en-US" sz="1050" dirty="0" err="1"/>
+              <a:t>Fóra</a:t>
+            </a:r>
+            <a:r>
+              <a:rPr lang="en-US" sz="1050" dirty="0"/>
+              <a:t>, </a:t>
+            </a:r>
+            <a:r>
+              <a:rPr lang="en-US" sz="1050" dirty="0" err="1"/>
+              <a:t>Seif</a:t>
+            </a:r>
+            <a:r>
+              <a:rPr lang="en-US" sz="1050" dirty="0"/>
+              <a:t> </a:t>
+            </a:r>
+            <a:r>
+              <a:rPr lang="en-US" sz="1050" dirty="0" err="1"/>
+              <a:t>Haridi</a:t>
+            </a:r>
+            <a:r>
+              <a:rPr lang="en-US" sz="1050" dirty="0"/>
+              <a:t>, Stefan Richter, and Kostas </a:t>
+            </a:r>
+            <a:r>
+              <a:rPr lang="en-US" sz="1050" dirty="0" err="1"/>
+              <a:t>Tzoumas</a:t>
+            </a:r>
+            <a:r>
+              <a:rPr lang="en-US" sz="1050" dirty="0"/>
+              <a:t>. “State Management in Apache </a:t>
+            </a:r>
+            <a:r>
+              <a:rPr lang="en-US" sz="1050" dirty="0" err="1"/>
+              <a:t>Flink</a:t>
+            </a:r>
+            <a:r>
+              <a:rPr lang="en-US" sz="1050" dirty="0"/>
+              <a:t>®: Consistent Stateful Distributed Stream Processing.” </a:t>
+            </a:r>
+            <a:r>
+              <a:rPr lang="en-US" sz="1050" i="1" dirty="0"/>
+              <a:t>Proceedings of the VLDB Endowment</a:t>
+            </a:r>
+            <a:r>
+              <a:rPr lang="en-US" sz="1050" dirty="0"/>
+              <a:t> 10, no. 12 (August 1, 2017): 1718–29.</a:t>
+            </a:r>
+            <a:endParaRPr lang="en-US" sz="1050" dirty="0">
+              <a:effectLst/>
+            </a:endParaRPr>
+          </a:p>
+        </p:txBody>
+      </p:sp>
     </p:spTree>
     <p:extLst>
       <p:ext uri="{BB962C8B-B14F-4D97-AF65-F5344CB8AC3E}">
-        <p14:creationId xmlns:p14="http://schemas.microsoft.com/office/powerpoint/2010/main" val="3159557877"/>
+        <p14:creationId xmlns:p14="http://schemas.microsoft.com/office/powerpoint/2010/main" val="2005785226"/>
       </p:ext>
     </p:extLst>
   </p:cSld>
@@ -18891,7 +19094,7 @@
 </p:sld>
 </file>
 
-<file path=ppt/slides/slide4.xml><?xml version="1.0" encoding="utf-8"?>
+<file path=ppt/slides/slide5.xml><?xml version="1.0" encoding="utf-8"?>
 <p:sld xmlns:a="http://schemas.openxmlformats.org/drawingml/2006/main" xmlns:r="http://schemas.openxmlformats.org/officeDocument/2006/relationships" xmlns:p="http://schemas.openxmlformats.org/presentationml/2006/main">
   <p:cSld>
     <p:spTree>
@@ -18993,7 +19196,7 @@
 </p:sld>
 </file>
 
-<file path=ppt/slides/slide5.xml><?xml version="1.0" encoding="utf-8"?>
+<file path=ppt/slides/slide6.xml><?xml version="1.0" encoding="utf-8"?>
 <p:sld xmlns:a="http://schemas.openxmlformats.org/drawingml/2006/main" xmlns:r="http://schemas.openxmlformats.org/officeDocument/2006/relationships" xmlns:p="http://schemas.openxmlformats.org/presentationml/2006/main">
   <p:cSld>
     <p:spTree>
@@ -19038,7 +19241,7 @@
         </p:blipFill>
         <p:spPr>
           <a:xfrm>
-            <a:off x="685800" y="3268662"/>
+            <a:off x="685800" y="2954895"/>
             <a:ext cx="7772400" cy="3003637"/>
           </a:xfrm>
           <a:prstGeom prst="rect">
@@ -19075,6 +19278,10 @@
             <a:r>
               <a:rPr lang="en-US" sz="1800" b="0" dirty="0"/>
               <a:t>Logic/code existing in multiple instances that represent entities, similar to actors</a:t>
+            </a:r>
+            <a:r>
+              <a:rPr lang="en-US" sz="1800" b="0" baseline="30000" dirty="0"/>
+              <a:t>1</a:t>
             </a:r>
           </a:p>
           <a:p>
@@ -19144,9 +19351,68 @@
           <a:lstStyle/>
           <a:p>
             <a:r>
+              <a:rPr lang="en-US" dirty="0" err="1"/>
+              <a:t>Flink</a:t>
+            </a:r>
+            <a:r>
               <a:rPr lang="en-US" dirty="0"/>
-              <a:t>Stateful Functions</a:t>
+              <a:t> Stateful Functions API</a:t>
             </a:r>
+          </a:p>
+        </p:txBody>
+      </p:sp>
+      <p:sp>
+        <p:nvSpPr>
+          <p:cNvPr id="2" name="Rectangle 1">
+            <a:extLst>
+              <a:ext uri="{FF2B5EF4-FFF2-40B4-BE49-F238E27FC236}">
+                <a16:creationId xmlns:a16="http://schemas.microsoft.com/office/drawing/2014/main" id="{D0113D8E-A720-314F-92FC-6D464A081CE7}"/>
+              </a:ext>
+            </a:extLst>
+          </p:cNvPr>
+          <p:cNvSpPr/>
+          <p:nvPr/>
+        </p:nvSpPr>
+        <p:spPr>
+          <a:xfrm>
+            <a:off x="439075" y="5878606"/>
+            <a:ext cx="8274618" cy="461665"/>
+          </a:xfrm>
+          <a:prstGeom prst="rect">
+            <a:avLst/>
+          </a:prstGeom>
+        </p:spPr>
+        <p:txBody>
+          <a:bodyPr wrap="square">
+            <a:spAutoFit/>
+          </a:bodyPr>
+          <a:lstStyle/>
+          <a:p>
+            <a:r>
+              <a:rPr lang="en-US" sz="1200" baseline="30000" dirty="0">
+                <a:latin typeface="Arial" panose="020B0604020202020204" pitchFamily="34" charset="0"/>
+              </a:rPr>
+              <a:t>1</a:t>
+            </a:r>
+            <a:r>
+              <a:rPr lang="en-US" sz="1200" dirty="0">
+                <a:latin typeface="Arial" panose="020B0604020202020204" pitchFamily="34" charset="0"/>
+              </a:rPr>
+              <a:t>A mathematical model of concurrent computation that treats </a:t>
+            </a:r>
+            <a:r>
+              <a:rPr lang="en-US" sz="1200" i="1" dirty="0">
+                <a:latin typeface="Arial" panose="020B0604020202020204" pitchFamily="34" charset="0"/>
+              </a:rPr>
+              <a:t>actor</a:t>
+            </a:r>
+            <a:r>
+              <a:rPr lang="en-US" sz="1200" dirty="0">
+                <a:latin typeface="Arial" panose="020B0604020202020204" pitchFamily="34" charset="0"/>
+              </a:rPr>
+              <a:t> as the universal primitive. In response to a message, an actor can: make local decisions, create more actors, and send more messages. (Wikipedia)</a:t>
+            </a:r>
+            <a:endParaRPr lang="en-US" sz="1200" dirty="0"/>
           </a:p>
         </p:txBody>
       </p:sp>
@@ -19163,7 +19429,7 @@
 </p:sld>
 </file>
 
-<file path=ppt/slides/slide6.xml><?xml version="1.0" encoding="utf-8"?>
+<file path=ppt/slides/slide7.xml><?xml version="1.0" encoding="utf-8"?>
 <p:sld xmlns:a="http://schemas.openxmlformats.org/drawingml/2006/main" xmlns:r="http://schemas.openxmlformats.org/officeDocument/2006/relationships" xmlns:p="http://schemas.openxmlformats.org/presentationml/2006/main">
   <p:cSld>
     <p:spTree>
@@ -19180,6 +19446,47 @@
           <a:chExt cx="0" cy="0"/>
         </a:xfrm>
       </p:grpSpPr>
+      <p:sp>
+        <p:nvSpPr>
+          <p:cNvPr id="9" name="Content Placeholder 8">
+            <a:extLst>
+              <a:ext uri="{FF2B5EF4-FFF2-40B4-BE49-F238E27FC236}">
+                <a16:creationId xmlns:a16="http://schemas.microsoft.com/office/drawing/2014/main" id="{D85D620A-9032-DA4E-98F3-27EE02441BEA}"/>
+              </a:ext>
+            </a:extLst>
+          </p:cNvPr>
+          <p:cNvSpPr>
+            <a:spLocks noGrp="1"/>
+          </p:cNvSpPr>
+          <p:nvPr>
+            <p:ph sz="quarter" idx="10"/>
+          </p:nvPr>
+        </p:nvSpPr>
+        <p:spPr>
+          <a:xfrm>
+            <a:off x="5786685" y="1517948"/>
+            <a:ext cx="2658422" cy="538183"/>
+          </a:xfrm>
+        </p:spPr>
+        <p:txBody>
+          <a:bodyPr/>
+          <a:lstStyle/>
+          <a:p>
+            <a:pPr marL="0" indent="0" algn="ctr">
+              <a:buNone/>
+            </a:pPr>
+            <a:r>
+              <a:rPr lang="en-US" sz="1600" dirty="0"/>
+              <a:t>Entire implementation requires about 1000 </a:t>
+            </a:r>
+            <a:r>
+              <a:rPr lang="en-US" sz="1600" dirty="0" err="1"/>
+              <a:t>sloc</a:t>
+            </a:r>
+            <a:endParaRPr lang="en-US" sz="1600" dirty="0"/>
+          </a:p>
+        </p:txBody>
+      </p:sp>
       <p:sp>
         <p:nvSpPr>
           <p:cNvPr id="4" name="Title 3">
@@ -19228,8 +19535,8 @@
         </p:nvSpPr>
         <p:spPr>
           <a:xfrm>
-            <a:off x="1944972" y="971161"/>
-            <a:ext cx="1468415" cy="307777"/>
+            <a:off x="2178056" y="971161"/>
+            <a:ext cx="1309718" cy="307777"/>
           </a:xfrm>
           <a:prstGeom prst="rect">
             <a:avLst/>
@@ -19249,7 +19556,7 @@
           <a:p>
             <a:r>
               <a:rPr lang="en-US" sz="1400" b="1" dirty="0" err="1"/>
-              <a:t>TrackletSource</a:t>
+              <a:t>TrackSource</a:t>
             </a:r>
             <a:endParaRPr lang="en-US" sz="1400" b="1" dirty="0"/>
           </a:p>
@@ -19312,7 +19619,7 @@
         <p:spPr>
           <a:xfrm>
             <a:off x="1122514" y="3078614"/>
-            <a:ext cx="2269917" cy="954107"/>
+            <a:ext cx="2111219" cy="954107"/>
           </a:xfrm>
           <a:prstGeom prst="rect">
             <a:avLst/>
@@ -19332,7 +19639,7 @@
           <a:p>
             <a:r>
               <a:rPr lang="en-US" sz="1400" b="1" dirty="0" err="1"/>
-              <a:t>TrackletStatefulFunction</a:t>
+              <a:t>TrackStatefulFunction</a:t>
             </a:r>
             <a:endParaRPr lang="en-US" sz="1400" b="1" dirty="0"/>
           </a:p>
@@ -19343,7 +19650,18 @@
             </a:r>
             <a:r>
               <a:rPr lang="en-US" sz="1400" b="1" dirty="0" err="1"/>
-              <a:t>trackletState</a:t>
+              <a:t>trackState</a:t>
+            </a:r>
+            <a:endParaRPr lang="en-US" sz="1400" b="1" dirty="0"/>
+          </a:p>
+          <a:p>
+            <a:r>
+              <a:rPr lang="en-US" sz="1400" b="1" dirty="0"/>
+              <a:t>- </a:t>
+            </a:r>
+            <a:r>
+              <a:rPr lang="en-US" sz="1400" b="1" dirty="0" err="1"/>
+              <a:t>OrbitBuilder</a:t>
             </a:r>
             <a:endParaRPr lang="en-US" sz="1400" b="1" dirty="0"/>
           </a:p>
@@ -19355,17 +19673,6 @@
             <a:r>
               <a:rPr lang="en-US" sz="1400" b="1" dirty="0" err="1"/>
               <a:t>orbitIds</a:t>
-            </a:r>
-            <a:endParaRPr lang="en-US" sz="1400" b="1" dirty="0"/>
-          </a:p>
-          <a:p>
-            <a:r>
-              <a:rPr lang="en-US" sz="1400" b="1" dirty="0"/>
-              <a:t>- </a:t>
-            </a:r>
-            <a:r>
-              <a:rPr lang="en-US" sz="1400" b="1" dirty="0" err="1"/>
-              <a:t>OrbitBuilder</a:t>
             </a:r>
             <a:endParaRPr lang="en-US" sz="1400" b="1" dirty="0"/>
           </a:p>
@@ -19521,7 +19828,7 @@
             </a:r>
             <a:r>
               <a:rPr lang="en-US" sz="1400" b="1" dirty="0" err="1"/>
-              <a:t>trackletIds</a:t>
+              <a:t>trackIds</a:t>
             </a:r>
             <a:endParaRPr lang="en-US" sz="1400" b="1" dirty="0"/>
           </a:p>
@@ -19614,8 +19921,8 @@
         </p:nvCxnSpPr>
         <p:spPr>
           <a:xfrm rot="16200000" flipV="1">
-            <a:off x="3044714" y="913404"/>
-            <a:ext cx="742596" cy="1473663"/>
+            <a:off x="3121581" y="990272"/>
+            <a:ext cx="742596" cy="1319928"/>
           </a:xfrm>
           <a:prstGeom prst="curvedConnector3">
             <a:avLst>
@@ -19677,7 +19984,7 @@
             <a:solidFill>
               <a:schemeClr val="tx1"/>
             </a:solidFill>
-            <a:headEnd w="lg" len="lg"/>
+            <a:headEnd type="stealth" w="lg" len="lg"/>
             <a:tailEnd w="lg" len="lg"/>
           </a:ln>
         </p:spPr>
@@ -19714,8 +20021,8 @@
         </p:nvCxnSpPr>
         <p:spPr>
           <a:xfrm rot="5400000" flipH="1" flipV="1">
-            <a:off x="2830507" y="1756278"/>
-            <a:ext cx="749303" cy="1895370"/>
+            <a:off x="2790832" y="1716604"/>
+            <a:ext cx="749303" cy="1974719"/>
           </a:xfrm>
           <a:prstGeom prst="curvedConnector3">
             <a:avLst>
@@ -19729,7 +20036,7 @@
               </a:schemeClr>
             </a:solidFill>
             <a:headEnd type="stealth" w="lg" len="lg"/>
-            <a:tailEnd w="lg" len="lg"/>
+            <a:tailEnd type="stealth" w="lg" len="lg"/>
           </a:ln>
         </p:spPr>
         <p:style>
@@ -19778,7 +20085,7 @@
               <a:schemeClr val="tx1"/>
             </a:solidFill>
             <a:headEnd w="lg" len="lg"/>
-            <a:tailEnd w="lg" len="lg"/>
+            <a:tailEnd type="stealth" w="lg" len="lg"/>
           </a:ln>
         </p:spPr>
         <p:style>
@@ -19807,14 +20114,12 @@
           </p:cNvPr>
           <p:cNvCxnSpPr>
             <a:cxnSpLocks/>
-            <a:stCxn id="12" idx="2"/>
-            <a:endCxn id="12" idx="0"/>
           </p:cNvCxnSpPr>
           <p:nvPr/>
         </p:nvCxnSpPr>
         <p:spPr>
           <a:xfrm rot="5400000" flipH="1">
-            <a:off x="5340716" y="3671565"/>
+            <a:off x="5340716" y="3698460"/>
             <a:ext cx="1169551" cy="12700"/>
           </a:xfrm>
           <a:prstGeom prst="curvedConnector5">
@@ -19865,8 +20170,8 @@
         </p:nvCxnSpPr>
         <p:spPr>
           <a:xfrm rot="10800000">
-            <a:off x="2257473" y="4032722"/>
-            <a:ext cx="802022" cy="1149111"/>
+            <a:off x="2178125" y="4032722"/>
+            <a:ext cx="881371" cy="1149111"/>
           </a:xfrm>
           <a:prstGeom prst="curvedConnector2">
             <a:avLst/>
@@ -19914,8 +20219,8 @@
         </p:nvCxnSpPr>
         <p:spPr>
           <a:xfrm rot="5400000" flipH="1">
-            <a:off x="3979673" y="2310522"/>
-            <a:ext cx="223619" cy="3668019"/>
+            <a:off x="3939998" y="2270847"/>
+            <a:ext cx="223619" cy="3747368"/>
           </a:xfrm>
           <a:prstGeom prst="curvedConnector3">
             <a:avLst>
@@ -19965,8 +20270,8 @@
         </p:nvCxnSpPr>
         <p:spPr>
           <a:xfrm rot="16200000" flipV="1">
-            <a:off x="4087396" y="1248692"/>
-            <a:ext cx="8175" cy="3668019"/>
+            <a:off x="4047721" y="1209018"/>
+            <a:ext cx="8175" cy="3747368"/>
           </a:xfrm>
           <a:prstGeom prst="curvedConnector3">
             <a:avLst>
@@ -20281,7 +20586,7 @@
         <p:spPr>
           <a:xfrm>
             <a:off x="103986" y="5469698"/>
-            <a:ext cx="2269917" cy="307777"/>
+            <a:ext cx="2111219" cy="307777"/>
           </a:xfrm>
           <a:prstGeom prst="rect">
             <a:avLst/>
@@ -20301,7 +20606,7 @@
           <a:p>
             <a:r>
               <a:rPr lang="en-US" sz="1400" b="1" dirty="0" err="1"/>
-              <a:t>TrackletStatefulFunction</a:t>
+              <a:t>TrackStatefulFunction</a:t>
             </a:r>
             <a:endParaRPr lang="en-US" sz="1400" b="1" dirty="0"/>
           </a:p>
@@ -20322,7 +20627,7 @@
         <p:spPr>
           <a:xfrm>
             <a:off x="109243" y="4970411"/>
-            <a:ext cx="2269917" cy="307777"/>
+            <a:ext cx="2111219" cy="307777"/>
           </a:xfrm>
           <a:prstGeom prst="rect">
             <a:avLst/>
@@ -20342,7 +20647,7 @@
           <a:p>
             <a:r>
               <a:rPr lang="en-US" sz="1400" b="1" dirty="0" err="1"/>
-              <a:t>TrackletStatefulFunction</a:t>
+              <a:t>TrackStatefulFunction</a:t>
             </a:r>
             <a:endParaRPr lang="en-US" sz="1400" b="1" dirty="0"/>
           </a:p>
@@ -20363,7 +20668,7 @@
         <p:spPr>
           <a:xfrm>
             <a:off x="109243" y="4490235"/>
-            <a:ext cx="2269917" cy="307777"/>
+            <a:ext cx="2111219" cy="307777"/>
           </a:xfrm>
           <a:prstGeom prst="rect">
             <a:avLst/>
@@ -20383,7 +20688,7 @@
           <a:p>
             <a:r>
               <a:rPr lang="en-US" sz="1400" b="1" dirty="0" err="1"/>
-              <a:t>TrackletStatefulFunction</a:t>
+              <a:t>TrackStatefulFunction</a:t>
             </a:r>
             <a:endParaRPr lang="en-US" sz="1400" b="1" dirty="0"/>
           </a:p>
@@ -20463,9 +20768,9 @@
           </a:xfrm>
           <a:prstGeom prst="curvedConnector5">
             <a:avLst>
-              <a:gd name="adj1" fmla="val -7840"/>
-              <a:gd name="adj2" fmla="val -110477"/>
-              <a:gd name="adj3" fmla="val 116636"/>
+              <a:gd name="adj1" fmla="val -7225"/>
+              <a:gd name="adj2" fmla="val -106797"/>
+              <a:gd name="adj3" fmla="val 116021"/>
             </a:avLst>
           </a:prstGeom>
           <a:ln w="19050">
@@ -20511,12 +20816,12 @@
         </p:nvCxnSpPr>
         <p:spPr>
           <a:xfrm rot="5400000" flipH="1">
-            <a:off x="3837340" y="2452855"/>
-            <a:ext cx="1969762" cy="5129495"/>
+            <a:off x="3797665" y="2413180"/>
+            <a:ext cx="1969762" cy="5208844"/>
           </a:xfrm>
           <a:prstGeom prst="curvedConnector3">
             <a:avLst>
-              <a:gd name="adj1" fmla="val -13870"/>
+              <a:gd name="adj1" fmla="val -11605"/>
             </a:avLst>
           </a:prstGeom>
           <a:ln w="19050">
@@ -20870,8 +21175,8 @@
         </p:nvCxnSpPr>
         <p:spPr>
           <a:xfrm rot="5400000">
-            <a:off x="2276856" y="1337640"/>
-            <a:ext cx="461026" cy="343622"/>
+            <a:off x="2353724" y="1260773"/>
+            <a:ext cx="461026" cy="497357"/>
           </a:xfrm>
           <a:prstGeom prst="curvedConnector3">
             <a:avLst>
@@ -20914,7 +21219,458 @@
 </p:sld>
 </file>
 
-<file path=ppt/slides/slide7.xml><?xml version="1.0" encoding="utf-8"?>
+<file path=ppt/slides/slide8.xml><?xml version="1.0" encoding="utf-8"?>
+<p:sld xmlns:a="http://schemas.openxmlformats.org/drawingml/2006/main" xmlns:r="http://schemas.openxmlformats.org/officeDocument/2006/relationships" xmlns:p="http://schemas.openxmlformats.org/presentationml/2006/main">
+  <p:cSld>
+    <p:spTree>
+      <p:nvGrpSpPr>
+        <p:cNvPr id="1" name=""/>
+        <p:cNvGrpSpPr/>
+        <p:nvPr/>
+      </p:nvGrpSpPr>
+      <p:grpSpPr>
+        <a:xfrm>
+          <a:off x="0" y="0"/>
+          <a:ext cx="0" cy="0"/>
+          <a:chOff x="0" y="0"/>
+          <a:chExt cx="0" cy="0"/>
+        </a:xfrm>
+      </p:grpSpPr>
+      <p:sp>
+        <p:nvSpPr>
+          <p:cNvPr id="2" name="Content Placeholder 1">
+            <a:extLst>
+              <a:ext uri="{FF2B5EF4-FFF2-40B4-BE49-F238E27FC236}">
+                <a16:creationId xmlns:a16="http://schemas.microsoft.com/office/drawing/2014/main" id="{9323191E-2728-F14D-8AF3-8D324734230E}"/>
+              </a:ext>
+            </a:extLst>
+          </p:cNvPr>
+          <p:cNvSpPr>
+            <a:spLocks noGrp="1"/>
+          </p:cNvSpPr>
+          <p:nvPr>
+            <p:ph sz="quarter" idx="10"/>
+          </p:nvPr>
+        </p:nvSpPr>
+        <p:spPr>
+          <a:xfrm>
+            <a:off x="1739055" y="1013692"/>
+            <a:ext cx="5665889" cy="4830616"/>
+          </a:xfrm>
+        </p:spPr>
+        <p:txBody>
+          <a:bodyPr/>
+          <a:lstStyle/>
+          <a:p>
+            <a:pPr marL="0" indent="0">
+              <a:lnSpc>
+                <a:spcPct val="100000"/>
+              </a:lnSpc>
+              <a:spcBef>
+                <a:spcPts val="0"/>
+              </a:spcBef>
+              <a:buNone/>
+            </a:pPr>
+            <a:r>
+              <a:rPr lang="en-US" sz="1400" dirty="0">
+                <a:latin typeface="Courier" pitchFamily="2" charset="0"/>
+              </a:rPr>
+              <a:t>Project          files    blank   comment     code</a:t>
+            </a:r>
+          </a:p>
+          <a:p>
+            <a:pPr marL="0" indent="0">
+              <a:lnSpc>
+                <a:spcPct val="100000"/>
+              </a:lnSpc>
+              <a:spcBef>
+                <a:spcPts val="0"/>
+              </a:spcBef>
+              <a:buNone/>
+            </a:pPr>
+            <a:endParaRPr lang="en-US" sz="1400" dirty="0">
+              <a:latin typeface="Courier" pitchFamily="2" charset="0"/>
+            </a:endParaRPr>
+          </a:p>
+          <a:p>
+            <a:pPr marL="0" indent="0">
+              <a:lnSpc>
+                <a:spcPct val="100000"/>
+              </a:lnSpc>
+              <a:spcBef>
+                <a:spcPts val="0"/>
+              </a:spcBef>
+              <a:buNone/>
+            </a:pPr>
+            <a:endParaRPr lang="en-US" sz="1400" dirty="0">
+              <a:latin typeface="Courier" pitchFamily="2" charset="0"/>
+            </a:endParaRPr>
+          </a:p>
+          <a:p>
+            <a:pPr marL="0" indent="0">
+              <a:lnSpc>
+                <a:spcPct val="100000"/>
+              </a:lnSpc>
+              <a:spcBef>
+                <a:spcPts val="0"/>
+              </a:spcBef>
+              <a:buNone/>
+            </a:pPr>
+            <a:r>
+              <a:rPr lang="en-US" sz="1400" dirty="0" err="1">
+                <a:latin typeface="Courier" pitchFamily="2" charset="0"/>
+              </a:rPr>
+              <a:t>orekit</a:t>
+            </a:r>
+            <a:endParaRPr lang="en-US" sz="1400" dirty="0">
+              <a:latin typeface="Courier" pitchFamily="2" charset="0"/>
+            </a:endParaRPr>
+          </a:p>
+          <a:p>
+            <a:pPr marL="0" indent="0">
+              <a:lnSpc>
+                <a:spcPct val="100000"/>
+              </a:lnSpc>
+              <a:spcBef>
+                <a:spcPts val="0"/>
+              </a:spcBef>
+              <a:buNone/>
+            </a:pPr>
+            <a:r>
+              <a:rPr lang="en-US" sz="1400" dirty="0">
+                <a:latin typeface="Courier" pitchFamily="2" charset="0"/>
+              </a:rPr>
+              <a:t>--------------------------------------------------</a:t>
+            </a:r>
+          </a:p>
+          <a:p>
+            <a:pPr marL="0" indent="0">
+              <a:lnSpc>
+                <a:spcPct val="100000"/>
+              </a:lnSpc>
+              <a:spcBef>
+                <a:spcPts val="0"/>
+              </a:spcBef>
+              <a:buNone/>
+            </a:pPr>
+            <a:r>
+              <a:rPr lang="en-US" sz="1400" dirty="0">
+                <a:latin typeface="Courier" pitchFamily="2" charset="0"/>
+              </a:rPr>
+              <a:t>Java              1308    48882    110007   209381</a:t>
+            </a:r>
+          </a:p>
+          <a:p>
+            <a:pPr marL="0" indent="0">
+              <a:lnSpc>
+                <a:spcPct val="100000"/>
+              </a:lnSpc>
+              <a:spcBef>
+                <a:spcPts val="0"/>
+              </a:spcBef>
+              <a:buNone/>
+            </a:pPr>
+            <a:endParaRPr lang="en-US" sz="1400" dirty="0">
+              <a:latin typeface="Courier" pitchFamily="2" charset="0"/>
+            </a:endParaRPr>
+          </a:p>
+          <a:p>
+            <a:pPr marL="0" indent="0">
+              <a:lnSpc>
+                <a:spcPct val="100000"/>
+              </a:lnSpc>
+              <a:spcBef>
+                <a:spcPts val="0"/>
+              </a:spcBef>
+              <a:buNone/>
+            </a:pPr>
+            <a:endParaRPr lang="en-US" sz="1400" dirty="0">
+              <a:latin typeface="Courier" pitchFamily="2" charset="0"/>
+            </a:endParaRPr>
+          </a:p>
+          <a:p>
+            <a:pPr marL="0" indent="0">
+              <a:lnSpc>
+                <a:spcPct val="100000"/>
+              </a:lnSpc>
+              <a:spcBef>
+                <a:spcPts val="0"/>
+              </a:spcBef>
+              <a:buNone/>
+            </a:pPr>
+            <a:r>
+              <a:rPr lang="en-US" sz="1400" dirty="0" err="1">
+                <a:latin typeface="Courier" pitchFamily="2" charset="0"/>
+              </a:rPr>
+              <a:t>flink-statefun</a:t>
+            </a:r>
+            <a:endParaRPr lang="en-US" sz="1400" dirty="0">
+              <a:latin typeface="Courier" pitchFamily="2" charset="0"/>
+            </a:endParaRPr>
+          </a:p>
+          <a:p>
+            <a:pPr marL="0" indent="0">
+              <a:lnSpc>
+                <a:spcPct val="100000"/>
+              </a:lnSpc>
+              <a:spcBef>
+                <a:spcPts val="0"/>
+              </a:spcBef>
+              <a:buNone/>
+            </a:pPr>
+            <a:r>
+              <a:rPr lang="en-US" sz="1400" dirty="0">
+                <a:latin typeface="Courier" pitchFamily="2" charset="0"/>
+              </a:rPr>
+              <a:t>--------------------------------------------------</a:t>
+            </a:r>
+          </a:p>
+          <a:p>
+            <a:pPr marL="0" indent="0">
+              <a:lnSpc>
+                <a:spcPct val="100000"/>
+              </a:lnSpc>
+              <a:spcBef>
+                <a:spcPts val="0"/>
+              </a:spcBef>
+              <a:buNone/>
+            </a:pPr>
+            <a:r>
+              <a:rPr lang="en-US" sz="1400" dirty="0">
+                <a:latin typeface="Courier" pitchFamily="2" charset="0"/>
+              </a:rPr>
+              <a:t>Java               481     8468     16830    66488</a:t>
+            </a:r>
+          </a:p>
+          <a:p>
+            <a:pPr marL="0" indent="0">
+              <a:lnSpc>
+                <a:spcPct val="100000"/>
+              </a:lnSpc>
+              <a:spcBef>
+                <a:spcPts val="0"/>
+              </a:spcBef>
+              <a:buNone/>
+            </a:pPr>
+            <a:endParaRPr lang="en-US" sz="1400" dirty="0">
+              <a:latin typeface="Courier" pitchFamily="2" charset="0"/>
+            </a:endParaRPr>
+          </a:p>
+          <a:p>
+            <a:pPr marL="0" indent="0">
+              <a:lnSpc>
+                <a:spcPct val="100000"/>
+              </a:lnSpc>
+              <a:spcBef>
+                <a:spcPts val="0"/>
+              </a:spcBef>
+              <a:buNone/>
+            </a:pPr>
+            <a:endParaRPr lang="en-US" sz="1400" dirty="0">
+              <a:latin typeface="Courier" pitchFamily="2" charset="0"/>
+            </a:endParaRPr>
+          </a:p>
+          <a:p>
+            <a:pPr marL="0" indent="0">
+              <a:lnSpc>
+                <a:spcPct val="100000"/>
+              </a:lnSpc>
+              <a:spcBef>
+                <a:spcPts val="0"/>
+              </a:spcBef>
+              <a:buNone/>
+            </a:pPr>
+            <a:r>
+              <a:rPr lang="en-US" sz="1400" dirty="0" err="1">
+                <a:latin typeface="Courier" pitchFamily="2" charset="0"/>
+              </a:rPr>
+              <a:t>hipparchus</a:t>
+            </a:r>
+            <a:endParaRPr lang="en-US" sz="1400" dirty="0">
+              <a:latin typeface="Courier" pitchFamily="2" charset="0"/>
+            </a:endParaRPr>
+          </a:p>
+          <a:p>
+            <a:pPr marL="0" indent="0">
+              <a:lnSpc>
+                <a:spcPct val="100000"/>
+              </a:lnSpc>
+              <a:spcBef>
+                <a:spcPts val="0"/>
+              </a:spcBef>
+              <a:buNone/>
+            </a:pPr>
+            <a:r>
+              <a:rPr lang="en-US" sz="1400" dirty="0">
+                <a:latin typeface="Courier" pitchFamily="2" charset="0"/>
+              </a:rPr>
+              <a:t>--------------------------------------------------</a:t>
+            </a:r>
+          </a:p>
+          <a:p>
+            <a:pPr marL="0" indent="0">
+              <a:lnSpc>
+                <a:spcPct val="100000"/>
+              </a:lnSpc>
+              <a:spcBef>
+                <a:spcPts val="0"/>
+              </a:spcBef>
+              <a:buNone/>
+            </a:pPr>
+            <a:r>
+              <a:rPr lang="en-US" sz="1400" dirty="0">
+                <a:latin typeface="Courier" pitchFamily="2" charset="0"/>
+              </a:rPr>
+              <a:t>Java              1412    38599    112711   196516</a:t>
+            </a:r>
+          </a:p>
+          <a:p>
+            <a:pPr marL="0" indent="0">
+              <a:lnSpc>
+                <a:spcPct val="100000"/>
+              </a:lnSpc>
+              <a:spcBef>
+                <a:spcPts val="0"/>
+              </a:spcBef>
+              <a:buNone/>
+            </a:pPr>
+            <a:endParaRPr lang="en-US" sz="1400" dirty="0">
+              <a:latin typeface="Courier" pitchFamily="2" charset="0"/>
+            </a:endParaRPr>
+          </a:p>
+          <a:p>
+            <a:pPr marL="0" indent="0">
+              <a:lnSpc>
+                <a:spcPct val="100000"/>
+              </a:lnSpc>
+              <a:spcBef>
+                <a:spcPts val="0"/>
+              </a:spcBef>
+              <a:buNone/>
+            </a:pPr>
+            <a:endParaRPr lang="en-US" sz="1400" dirty="0">
+              <a:latin typeface="Courier" pitchFamily="2" charset="0"/>
+            </a:endParaRPr>
+          </a:p>
+          <a:p>
+            <a:pPr marL="0" indent="0">
+              <a:lnSpc>
+                <a:spcPct val="100000"/>
+              </a:lnSpc>
+              <a:spcBef>
+                <a:spcPts val="0"/>
+              </a:spcBef>
+              <a:buNone/>
+            </a:pPr>
+            <a:r>
+              <a:rPr lang="en-US" sz="1400" dirty="0" err="1">
+                <a:latin typeface="Courier" pitchFamily="2" charset="0"/>
+              </a:rPr>
+              <a:t>flink</a:t>
+            </a:r>
+            <a:endParaRPr lang="en-US" sz="1400" dirty="0">
+              <a:latin typeface="Courier" pitchFamily="2" charset="0"/>
+            </a:endParaRPr>
+          </a:p>
+          <a:p>
+            <a:pPr marL="0" indent="0">
+              <a:lnSpc>
+                <a:spcPct val="100000"/>
+              </a:lnSpc>
+              <a:spcBef>
+                <a:spcPts val="0"/>
+              </a:spcBef>
+              <a:buNone/>
+            </a:pPr>
+            <a:r>
+              <a:rPr lang="en-US" sz="1400" dirty="0">
+                <a:latin typeface="Courier" pitchFamily="2" charset="0"/>
+              </a:rPr>
+              <a:t>--------------------------------------------------</a:t>
+            </a:r>
+          </a:p>
+          <a:p>
+            <a:pPr marL="0" indent="0">
+              <a:lnSpc>
+                <a:spcPct val="100000"/>
+              </a:lnSpc>
+              <a:spcBef>
+                <a:spcPts val="0"/>
+              </a:spcBef>
+              <a:buNone/>
+            </a:pPr>
+            <a:r>
+              <a:rPr lang="en-US" sz="1400" dirty="0">
+                <a:latin typeface="Courier" pitchFamily="2" charset="0"/>
+              </a:rPr>
+              <a:t>Java              9964   255678    388517   999682</a:t>
+            </a:r>
+          </a:p>
+          <a:p>
+            <a:pPr marL="0" indent="0">
+              <a:lnSpc>
+                <a:spcPct val="100000"/>
+              </a:lnSpc>
+              <a:spcBef>
+                <a:spcPts val="0"/>
+              </a:spcBef>
+              <a:buNone/>
+            </a:pPr>
+            <a:r>
+              <a:rPr lang="en-US" sz="1400" dirty="0">
+                <a:latin typeface="Courier" pitchFamily="2" charset="0"/>
+              </a:rPr>
+              <a:t>Scala             1935    54654     68129   282944</a:t>
+            </a:r>
+          </a:p>
+        </p:txBody>
+      </p:sp>
+      <p:sp>
+        <p:nvSpPr>
+          <p:cNvPr id="3" name="Title 2">
+            <a:extLst>
+              <a:ext uri="{FF2B5EF4-FFF2-40B4-BE49-F238E27FC236}">
+                <a16:creationId xmlns:a16="http://schemas.microsoft.com/office/drawing/2014/main" id="{649E004E-D34A-D94F-9B7B-216BA860B5F6}"/>
+              </a:ext>
+            </a:extLst>
+          </p:cNvPr>
+          <p:cNvSpPr>
+            <a:spLocks noGrp="1"/>
+          </p:cNvSpPr>
+          <p:nvPr>
+            <p:ph type="title"/>
+          </p:nvPr>
+        </p:nvSpPr>
+        <p:spPr/>
+        <p:txBody>
+          <a:bodyPr/>
+          <a:lstStyle/>
+          <a:p>
+            <a:r>
+              <a:rPr lang="en-US" dirty="0" err="1"/>
+              <a:t>cloc</a:t>
+            </a:r>
+            <a:r>
+              <a:rPr lang="en-US" dirty="0"/>
+              <a:t> Output for Dependencies</a:t>
+            </a:r>
+          </a:p>
+        </p:txBody>
+      </p:sp>
+    </p:spTree>
+    <p:extLst>
+      <p:ext uri="{BB962C8B-B14F-4D97-AF65-F5344CB8AC3E}">
+        <p14:creationId xmlns:p14="http://schemas.microsoft.com/office/powerpoint/2010/main" val="3396019184"/>
+      </p:ext>
+    </p:extLst>
+  </p:cSld>
+  <p:clrMapOvr>
+    <a:masterClrMapping/>
+  </p:clrMapOvr>
+</p:sld>
+</file>
+
+<file path=ppt/slides/slide9.xml><?xml version="1.0" encoding="utf-8"?>
 <p:sld xmlns:a="http://schemas.openxmlformats.org/drawingml/2006/main" xmlns:r="http://schemas.openxmlformats.org/officeDocument/2006/relationships" xmlns:p="http://schemas.openxmlformats.org/presentationml/2006/main">
   <p:cSld>
     <p:spTree>
@@ -20947,7 +21703,7 @@
         </p:nvSpPr>
         <p:spPr bwMode="auto">
           <a:xfrm>
-            <a:off x="6410325" y="4494213"/>
+            <a:off x="6410325" y="4718329"/>
             <a:ext cx="55563" cy="55562"/>
           </a:xfrm>
           <a:prstGeom prst="rect">
@@ -21095,7 +21851,7 @@
         </p:nvSpPr>
         <p:spPr bwMode="auto">
           <a:xfrm>
-            <a:off x="6410325" y="4549775"/>
+            <a:off x="6410325" y="4773891"/>
             <a:ext cx="55563" cy="57150"/>
           </a:xfrm>
           <a:prstGeom prst="rect">
@@ -21243,7 +21999,7 @@
         </p:nvSpPr>
         <p:spPr bwMode="auto">
           <a:xfrm>
-            <a:off x="6296025" y="4494213"/>
+            <a:off x="6296025" y="4718329"/>
             <a:ext cx="114300" cy="112712"/>
           </a:xfrm>
           <a:prstGeom prst="rect">
@@ -21391,7 +22147,7 @@
         </p:nvSpPr>
         <p:spPr bwMode="auto">
           <a:xfrm>
-            <a:off x="6296025" y="4606925"/>
+            <a:off x="6296025" y="4831041"/>
             <a:ext cx="169863" cy="171450"/>
           </a:xfrm>
           <a:prstGeom prst="rect">
@@ -21539,7 +22295,7 @@
         </p:nvSpPr>
         <p:spPr bwMode="auto">
           <a:xfrm>
-            <a:off x="6465888" y="4494213"/>
+            <a:off x="6465888" y="4718329"/>
             <a:ext cx="290512" cy="284162"/>
           </a:xfrm>
           <a:prstGeom prst="rect">
@@ -21687,7 +22443,7 @@
         </p:nvSpPr>
         <p:spPr bwMode="auto">
           <a:xfrm>
-            <a:off x="6296025" y="4033838"/>
+            <a:off x="6296025" y="4257954"/>
             <a:ext cx="460375" cy="460375"/>
           </a:xfrm>
           <a:prstGeom prst="rect">
@@ -21835,7 +22591,7 @@
         </p:nvSpPr>
         <p:spPr bwMode="auto">
           <a:xfrm>
-            <a:off x="5548313" y="4033838"/>
+            <a:off x="5548313" y="4257954"/>
             <a:ext cx="747712" cy="744537"/>
           </a:xfrm>
           <a:prstGeom prst="rect">
@@ -21983,7 +22739,7 @@
         </p:nvSpPr>
         <p:spPr bwMode="auto">
           <a:xfrm>
-            <a:off x="5548313" y="4778375"/>
+            <a:off x="5548313" y="5002491"/>
             <a:ext cx="1208087" cy="1208088"/>
           </a:xfrm>
           <a:prstGeom prst="rect">
@@ -22131,7 +22887,7 @@
         </p:nvSpPr>
         <p:spPr bwMode="auto">
           <a:xfrm>
-            <a:off x="6756400" y="4033838"/>
+            <a:off x="6756400" y="4257954"/>
             <a:ext cx="1955800" cy="1952625"/>
           </a:xfrm>
           <a:prstGeom prst="rect">
@@ -22279,7 +23035,7 @@
         </p:nvSpPr>
         <p:spPr bwMode="auto">
           <a:xfrm>
-            <a:off x="5548313" y="869950"/>
+            <a:off x="5548313" y="1094066"/>
             <a:ext cx="3163887" cy="3163888"/>
           </a:xfrm>
           <a:prstGeom prst="rect">
@@ -22427,7 +23183,7 @@
         </p:nvSpPr>
         <p:spPr bwMode="auto">
           <a:xfrm>
-            <a:off x="430213" y="869950"/>
+            <a:off x="430213" y="1094066"/>
             <a:ext cx="5118100" cy="5116513"/>
           </a:xfrm>
           <a:prstGeom prst="rect">
